--- a/Documentazione/Progetto ingegneria del software.pptx
+++ b/Documentazione/Progetto ingegneria del software.pptx
@@ -21,6 +21,7 @@
     <p:sldId id="269" r:id="rId46"/>
     <p:sldId id="270" r:id="rId47"/>
     <p:sldId id="271" r:id="rId48"/>
+    <p:sldId id="272" r:id="rId49"/>
   </p:sldIdLst>
   <p:sldSz cx="18288000" cy="10287000"/>
   <p:notesSz cx="6858000" cy="9144000"/>
@@ -7006,8 +7007,8 @@
         </p:nvSpPr>
         <p:spPr>
           <a:xfrm rot="0">
-            <a:off x="1305674" y="4521527"/>
-            <a:ext cx="4498049" cy="4134015"/>
+            <a:off x="1582647" y="5128989"/>
+            <a:ext cx="4498049" cy="3684727"/>
           </a:xfrm>
           <a:prstGeom prst="rect">
             <a:avLst/>
@@ -7127,40 +7128,11 @@
             </a:r>
           </a:p>
           <a:p>
-            <a:pPr marL="768593" indent="-384296" lvl="1">
+            <a:pPr>
               <a:lnSpc>
                 <a:spcPts val="3559"/>
               </a:lnSpc>
-              <a:buFont typeface="Arial"/>
-              <a:buChar char="•"/>
             </a:pPr>
-            <a:r>
-              <a:rPr lang="en-US" sz="3559">
-                <a:solidFill>
-                  <a:srgbClr val="000000"/>
-                </a:solidFill>
-                <a:latin typeface="Retropix"/>
-              </a:rPr>
-              <a:t>Diagramma ER</a:t>
-            </a:r>
-          </a:p>
-          <a:p>
-            <a:pPr marL="768593" indent="-384296" lvl="1">
-              <a:lnSpc>
-                <a:spcPts val="3559"/>
-              </a:lnSpc>
-              <a:buFont typeface="Arial"/>
-              <a:buChar char="•"/>
-            </a:pPr>
-            <a:r>
-              <a:rPr lang="en-US" sz="3559">
-                <a:solidFill>
-                  <a:srgbClr val="000000"/>
-                </a:solidFill>
-                <a:latin typeface="Retropix"/>
-              </a:rPr>
-              <a:t>Package</a:t>
-            </a:r>
           </a:p>
           <a:p>
             <a:pPr>
@@ -9407,6 +9379,31 @@
           </a:p>
         </p:txBody>
       </p:sp>
+    </p:spTree>
+  </p:cSld>
+  <p:clrMapOvr>
+    <a:masterClrMapping/>
+  </p:clrMapOvr>
+</p:sld>
+</file>
+
+<file path=ppt/slides/slide17.xml><?xml version="1.0" encoding="utf-8"?>
+<p:sld xmlns:p="http://schemas.openxmlformats.org/presentationml/2006/main" xmlns:a="http://schemas.openxmlformats.org/drawingml/2006/main">
+  <p:cSld>
+    <p:spTree>
+      <p:nvGrpSpPr>
+        <p:cNvPr id="1" name=""/>
+        <p:cNvGrpSpPr/>
+        <p:nvPr/>
+      </p:nvGrpSpPr>
+      <p:grpSpPr>
+        <a:xfrm>
+          <a:off x="0" y="0"/>
+          <a:ext cx="0" cy="0"/>
+          <a:chOff x="0" y="0"/>
+          <a:chExt cx="0" cy="0"/>
+        </a:xfrm>
+      </p:grpSpPr>
     </p:spTree>
   </p:cSld>
   <p:clrMapOvr>
